--- a/slides/week06a.pptx
+++ b/slides/week06a.pptx
@@ -4016,7 +4016,7 @@
           <a:p>
             <a:r>
               <a:rPr lang="en-US" dirty="0" smtClean="0"/>
-              <a:t>ELT</a:t>
+              <a:t>ETL</a:t>
             </a:r>
             <a:endParaRPr lang="en-US" dirty="0"/>
           </a:p>
@@ -4108,7 +4108,27 @@
                 <a:latin typeface="Gill Sans"/>
                 <a:cs typeface="Gill Sans"/>
               </a:rPr>
-              <a:t>When does ELT happen?</a:t>
+              <a:t>When does </a:t>
+            </a:r>
+            <a:r>
+              <a:rPr lang="en-US" sz="2800" b="0" dirty="0" smtClean="0">
+                <a:solidFill>
+                  <a:srgbClr val="FF0000"/>
+                </a:solidFill>
+                <a:latin typeface="Gill Sans"/>
+                <a:cs typeface="Gill Sans"/>
+              </a:rPr>
+              <a:t>ETL </a:t>
+            </a:r>
+            <a:r>
+              <a:rPr lang="en-US" sz="2800" b="0" dirty="0" smtClean="0">
+                <a:solidFill>
+                  <a:srgbClr val="FF0000"/>
+                </a:solidFill>
+                <a:latin typeface="Gill Sans"/>
+                <a:cs typeface="Gill Sans"/>
+              </a:rPr>
+              <a:t>happen?</a:t>
             </a:r>
             <a:endParaRPr lang="en-US" sz="2800" b="0" dirty="0">
               <a:solidFill>
@@ -9807,6 +9827,12 @@
           <a:lstStyle/>
           <a:p>
             <a:r>
+              <a:rPr lang="en-US" dirty="0"/>
+              <a:t>Report generation</a:t>
+            </a:r>
+          </a:p>
+          <a:p>
+            <a:r>
               <a:rPr lang="en-US" dirty="0" smtClean="0"/>
               <a:t>Dashboards</a:t>
             </a:r>
@@ -9814,14 +9840,12 @@
           </a:p>
           <a:p>
             <a:r>
-              <a:rPr lang="en-US" dirty="0" smtClean="0"/>
-              <a:t>Report generation</a:t>
-            </a:r>
-          </a:p>
-          <a:p>
-            <a:r>
               <a:rPr lang="en-US" i="1" dirty="0" smtClean="0"/>
-              <a:t>Ad hoc </a:t>
+              <a:t>Ad </a:t>
+            </a:r>
+            <a:r>
+              <a:rPr lang="en-US" i="1" dirty="0" smtClean="0"/>
+              <a:t>hoc </a:t>
             </a:r>
             <a:r>
               <a:rPr lang="en-US" dirty="0" smtClean="0"/>
@@ -15149,13 +15173,6 @@
               </a:rPr>
               <a:t>SQL is awesome</a:t>
             </a:r>
-            <a:endParaRPr lang="en-US" sz="3200" b="0" dirty="0" smtClean="0">
-              <a:solidFill>
-                <a:schemeClr val="bg1"/>
-              </a:solidFill>
-              <a:latin typeface="Gill Sans"/>
-              <a:cs typeface="Gill Sans"/>
-            </a:endParaRPr>
           </a:p>
         </p:txBody>
       </p:sp>
@@ -17050,13 +17067,6 @@
               </a:rPr>
               <a:t>Don’t need to know the schema ahead of time</a:t>
             </a:r>
-            <a:endParaRPr lang="en-US" sz="2400" b="0" dirty="0" smtClean="0">
-              <a:solidFill>
-                <a:schemeClr val="bg1"/>
-              </a:solidFill>
-              <a:latin typeface="Gill Sans"/>
-              <a:cs typeface="Gill Sans"/>
-            </a:endParaRPr>
           </a:p>
         </p:txBody>
       </p:sp>
@@ -17093,13 +17103,6 @@
               </a:rPr>
               <a:t>Many analyses are better formulated imperatively</a:t>
             </a:r>
-            <a:endParaRPr lang="en-US" sz="2400" b="0" dirty="0" smtClean="0">
-              <a:solidFill>
-                <a:schemeClr val="bg1"/>
-              </a:solidFill>
-              <a:latin typeface="Gill Sans"/>
-              <a:cs typeface="Gill Sans"/>
-            </a:endParaRPr>
           </a:p>
         </p:txBody>
       </p:sp>
@@ -17136,13 +17139,6 @@
               </a:rPr>
               <a:t>Raw scans are the most common operations</a:t>
             </a:r>
-            <a:endParaRPr lang="en-US" sz="2400" b="0" dirty="0" smtClean="0">
-              <a:solidFill>
-                <a:schemeClr val="bg1"/>
-              </a:solidFill>
-              <a:latin typeface="Gill Sans"/>
-              <a:cs typeface="Gill Sans"/>
-            </a:endParaRPr>
           </a:p>
         </p:txBody>
       </p:sp>
@@ -17179,13 +17175,6 @@
               </a:rPr>
               <a:t>Also compare: data ingestion rate</a:t>
             </a:r>
-            <a:endParaRPr lang="en-US" sz="2400" b="0" dirty="0" smtClean="0">
-              <a:solidFill>
-                <a:schemeClr val="bg1"/>
-              </a:solidFill>
-              <a:latin typeface="Gill Sans"/>
-              <a:cs typeface="Gill Sans"/>
-            </a:endParaRPr>
           </a:p>
         </p:txBody>
       </p:sp>
@@ -24644,11 +24633,7 @@
           <a:p>
             <a:r>
               <a:rPr lang="en-US" dirty="0" smtClean="0"/>
-              <a:t>Importing Structured </a:t>
-            </a:r>
-            <a:r>
-              <a:rPr lang="en-US" dirty="0" smtClean="0"/>
-              <a:t>Data*</a:t>
+              <a:t>Importing Structured Data*</a:t>
             </a:r>
             <a:endParaRPr lang="en-US" dirty="0"/>
           </a:p>
@@ -27525,13 +27510,6 @@
               </a:rPr>
               <a:t>* Out of date – for illustration only</a:t>
             </a:r>
-            <a:endParaRPr lang="en-US" sz="1800" b="0" dirty="0">
-              <a:solidFill>
-                <a:srgbClr val="000000"/>
-              </a:solidFill>
-              <a:latin typeface="Gill Sans"/>
-              <a:cs typeface="Gill Sans"/>
-            </a:endParaRPr>
           </a:p>
         </p:txBody>
       </p:sp>
@@ -28969,13 +28947,6 @@
               </a:rPr>
               <a:t>* Out of date – for illustration only</a:t>
             </a:r>
-            <a:endParaRPr lang="en-US" sz="1800" b="0" dirty="0">
-              <a:solidFill>
-                <a:srgbClr val="000000"/>
-              </a:solidFill>
-              <a:latin typeface="Gill Sans"/>
-              <a:cs typeface="Gill Sans"/>
-            </a:endParaRPr>
           </a:p>
         </p:txBody>
       </p:sp>
@@ -31271,13 +31242,6 @@
               </a:rPr>
               <a:t>* Out of date – for illustration only</a:t>
             </a:r>
-            <a:endParaRPr lang="en-US" sz="1800" b="0" dirty="0">
-              <a:solidFill>
-                <a:srgbClr val="000000"/>
-              </a:solidFill>
-              <a:latin typeface="Gill Sans"/>
-              <a:cs typeface="Gill Sans"/>
-            </a:endParaRPr>
           </a:p>
         </p:txBody>
       </p:sp>
@@ -33179,13 +33143,6 @@
               </a:rPr>
               <a:t>* Out of date – for illustration only</a:t>
             </a:r>
-            <a:endParaRPr lang="en-US" sz="1800" b="0" dirty="0">
-              <a:solidFill>
-                <a:srgbClr val="000000"/>
-              </a:solidFill>
-              <a:latin typeface="Gill Sans"/>
-              <a:cs typeface="Gill Sans"/>
-            </a:endParaRPr>
           </a:p>
         </p:txBody>
       </p:sp>
@@ -33835,17 +33792,6 @@
               </a:rPr>
               <a:t>RDBMS</a:t>
             </a:r>
-            <a:endParaRPr kumimoji="0" lang="en-US" sz="2800" b="1" i="0" u="none" strike="noStrike" cap="none" normalizeH="0" baseline="0" dirty="0" smtClean="0">
-              <a:ln>
-                <a:noFill/>
-              </a:ln>
-              <a:solidFill>
-                <a:schemeClr val="bg2"/>
-              </a:solidFill>
-              <a:effectLst/>
-              <a:latin typeface="Gill Sans"/>
-              <a:cs typeface="Gill Sans"/>
-            </a:endParaRPr>
           </a:p>
         </p:txBody>
       </p:sp>
@@ -34882,17 +34828,6 @@
               </a:rPr>
               <a:t>OLTP</a:t>
             </a:r>
-            <a:endParaRPr kumimoji="0" lang="en-US" sz="2800" b="1" i="0" u="none" strike="noStrike" cap="none" normalizeH="0" baseline="0" dirty="0" smtClean="0">
-              <a:ln>
-                <a:noFill/>
-              </a:ln>
-              <a:solidFill>
-                <a:schemeClr val="bg2"/>
-              </a:solidFill>
-              <a:effectLst/>
-              <a:latin typeface="Gill Sans"/>
-              <a:cs typeface="Gill Sans"/>
-            </a:endParaRPr>
           </a:p>
         </p:txBody>
       </p:sp>
